--- a/docs/comparison.pptx
+++ b/docs/comparison.pptx
@@ -19,6 +19,9 @@
     <p:sldId id="268" r:id="rId13"/>
     <p:sldId id="269" r:id="rId14"/>
     <p:sldId id="271" r:id="rId15"/>
+    <p:sldId id="272" r:id="rId16"/>
+    <p:sldId id="274" r:id="rId17"/>
+    <p:sldId id="273" r:id="rId18"/>
   </p:sldIdLst>
   <p:sldSz cx="12192000" cy="6858000"/>
   <p:notesSz cx="6858000" cy="9144000"/>
@@ -283,7 +286,7 @@
           <a:p>
             <a:fld id="{AC0A713D-CAF6-475A-BE0A-7C07AC5E08FF}" type="datetimeFigureOut">
               <a:rPr lang="en-US" smtClean="0"/>
-              <a:t>4/12/2022</a:t>
+              <a:t>6/15/2022</a:t>
             </a:fld>
             <a:endParaRPr lang="en-US"/>
           </a:p>
@@ -481,7 +484,7 @@
           <a:p>
             <a:fld id="{AC0A713D-CAF6-475A-BE0A-7C07AC5E08FF}" type="datetimeFigureOut">
               <a:rPr lang="en-US" smtClean="0"/>
-              <a:t>4/12/2022</a:t>
+              <a:t>6/15/2022</a:t>
             </a:fld>
             <a:endParaRPr lang="en-US"/>
           </a:p>
@@ -689,7 +692,7 @@
           <a:p>
             <a:fld id="{AC0A713D-CAF6-475A-BE0A-7C07AC5E08FF}" type="datetimeFigureOut">
               <a:rPr lang="en-US" smtClean="0"/>
-              <a:t>4/12/2022</a:t>
+              <a:t>6/15/2022</a:t>
             </a:fld>
             <a:endParaRPr lang="en-US"/>
           </a:p>
@@ -887,7 +890,7 @@
           <a:p>
             <a:fld id="{AC0A713D-CAF6-475A-BE0A-7C07AC5E08FF}" type="datetimeFigureOut">
               <a:rPr lang="en-US" smtClean="0"/>
-              <a:t>4/12/2022</a:t>
+              <a:t>6/15/2022</a:t>
             </a:fld>
             <a:endParaRPr lang="en-US"/>
           </a:p>
@@ -1162,7 +1165,7 @@
           <a:p>
             <a:fld id="{AC0A713D-CAF6-475A-BE0A-7C07AC5E08FF}" type="datetimeFigureOut">
               <a:rPr lang="en-US" smtClean="0"/>
-              <a:t>4/12/2022</a:t>
+              <a:t>6/15/2022</a:t>
             </a:fld>
             <a:endParaRPr lang="en-US"/>
           </a:p>
@@ -1427,7 +1430,7 @@
           <a:p>
             <a:fld id="{AC0A713D-CAF6-475A-BE0A-7C07AC5E08FF}" type="datetimeFigureOut">
               <a:rPr lang="en-US" smtClean="0"/>
-              <a:t>4/12/2022</a:t>
+              <a:t>6/15/2022</a:t>
             </a:fld>
             <a:endParaRPr lang="en-US"/>
           </a:p>
@@ -1839,7 +1842,7 @@
           <a:p>
             <a:fld id="{AC0A713D-CAF6-475A-BE0A-7C07AC5E08FF}" type="datetimeFigureOut">
               <a:rPr lang="en-US" smtClean="0"/>
-              <a:t>4/12/2022</a:t>
+              <a:t>6/15/2022</a:t>
             </a:fld>
             <a:endParaRPr lang="en-US"/>
           </a:p>
@@ -1980,7 +1983,7 @@
           <a:p>
             <a:fld id="{AC0A713D-CAF6-475A-BE0A-7C07AC5E08FF}" type="datetimeFigureOut">
               <a:rPr lang="en-US" smtClean="0"/>
-              <a:t>4/12/2022</a:t>
+              <a:t>6/15/2022</a:t>
             </a:fld>
             <a:endParaRPr lang="en-US"/>
           </a:p>
@@ -2093,7 +2096,7 @@
           <a:p>
             <a:fld id="{AC0A713D-CAF6-475A-BE0A-7C07AC5E08FF}" type="datetimeFigureOut">
               <a:rPr lang="en-US" smtClean="0"/>
-              <a:t>4/12/2022</a:t>
+              <a:t>6/15/2022</a:t>
             </a:fld>
             <a:endParaRPr lang="en-US"/>
           </a:p>
@@ -2404,7 +2407,7 @@
           <a:p>
             <a:fld id="{AC0A713D-CAF6-475A-BE0A-7C07AC5E08FF}" type="datetimeFigureOut">
               <a:rPr lang="en-US" smtClean="0"/>
-              <a:t>4/12/2022</a:t>
+              <a:t>6/15/2022</a:t>
             </a:fld>
             <a:endParaRPr lang="en-US"/>
           </a:p>
@@ -2692,7 +2695,7 @@
           <a:p>
             <a:fld id="{AC0A713D-CAF6-475A-BE0A-7C07AC5E08FF}" type="datetimeFigureOut">
               <a:rPr lang="en-US" smtClean="0"/>
-              <a:t>4/12/2022</a:t>
+              <a:t>6/15/2022</a:t>
             </a:fld>
             <a:endParaRPr lang="en-US"/>
           </a:p>
@@ -2933,7 +2936,7 @@
           <a:p>
             <a:fld id="{AC0A713D-CAF6-475A-BE0A-7C07AC5E08FF}" type="datetimeFigureOut">
               <a:rPr lang="en-US" smtClean="0"/>
-              <a:t>4/12/2022</a:t>
+              <a:t>6/15/2022</a:t>
             </a:fld>
             <a:endParaRPr lang="en-US"/>
           </a:p>
@@ -4337,6 +4340,481 @@
 </p:sld>
 </file>
 
+<file path=ppt/slides/slide15.xml><?xml version="1.0" encoding="utf-8"?>
+<p:sld xmlns:a="http://schemas.openxmlformats.org/drawingml/2006/main" xmlns:r="http://schemas.openxmlformats.org/officeDocument/2006/relationships" xmlns:p="http://schemas.openxmlformats.org/presentationml/2006/main">
+  <p:cSld>
+    <p:spTree>
+      <p:nvGrpSpPr>
+        <p:cNvPr id="1" name=""/>
+        <p:cNvGrpSpPr/>
+        <p:nvPr/>
+      </p:nvGrpSpPr>
+      <p:grpSpPr>
+        <a:xfrm>
+          <a:off x="0" y="0"/>
+          <a:ext cx="0" cy="0"/>
+          <a:chOff x="0" y="0"/>
+          <a:chExt cx="0" cy="0"/>
+        </a:xfrm>
+      </p:grpSpPr>
+      <p:sp>
+        <p:nvSpPr>
+          <p:cNvPr id="2" name="Title 1">
+            <a:extLst>
+              <a:ext uri="{FF2B5EF4-FFF2-40B4-BE49-F238E27FC236}">
+                <a16:creationId xmlns:a16="http://schemas.microsoft.com/office/drawing/2014/main" id="{EB7C2130-11ED-380B-6D51-89A7E5CD9FB4}"/>
+              </a:ext>
+            </a:extLst>
+          </p:cNvPr>
+          <p:cNvSpPr>
+            <a:spLocks noGrp="1"/>
+          </p:cNvSpPr>
+          <p:nvPr>
+            <p:ph type="title"/>
+          </p:nvPr>
+        </p:nvSpPr>
+        <p:spPr/>
+        <p:txBody>
+          <a:bodyPr/>
+          <a:lstStyle/>
+          <a:p>
+            <a:r>
+              <a:rPr lang="en-ID" dirty="0"/>
+              <a:t>models-no-</a:t>
+            </a:r>
+            <a:r>
+              <a:rPr lang="en-ID" dirty="0" err="1"/>
+              <a:t>stopword</a:t>
+            </a:r>
+            <a:endParaRPr lang="en-ID" dirty="0"/>
+          </a:p>
+        </p:txBody>
+      </p:sp>
+      <p:pic>
+        <p:nvPicPr>
+          <p:cNvPr id="3" name="Picture 2">
+            <a:extLst>
+              <a:ext uri="{FF2B5EF4-FFF2-40B4-BE49-F238E27FC236}">
+                <a16:creationId xmlns:a16="http://schemas.microsoft.com/office/drawing/2014/main" id="{6EE4EADC-1C30-3417-397E-81E5B6ED3AB9}"/>
+              </a:ext>
+            </a:extLst>
+          </p:cNvPr>
+          <p:cNvPicPr>
+            <a:picLocks noChangeAspect="1"/>
+          </p:cNvPicPr>
+          <p:nvPr/>
+        </p:nvPicPr>
+        <p:blipFill>
+          <a:blip r:embed="rId2"/>
+          <a:stretch>
+            <a:fillRect/>
+          </a:stretch>
+        </p:blipFill>
+        <p:spPr>
+          <a:xfrm>
+            <a:off x="320772" y="1524147"/>
+            <a:ext cx="6868484" cy="2238687"/>
+          </a:xfrm>
+          <a:prstGeom prst="rect">
+            <a:avLst/>
+          </a:prstGeom>
+        </p:spPr>
+      </p:pic>
+      <p:pic>
+        <p:nvPicPr>
+          <p:cNvPr id="4" name="Picture 3">
+            <a:extLst>
+              <a:ext uri="{FF2B5EF4-FFF2-40B4-BE49-F238E27FC236}">
+                <a16:creationId xmlns:a16="http://schemas.microsoft.com/office/drawing/2014/main" id="{846F78F8-1724-C287-4F42-A070692D6E02}"/>
+              </a:ext>
+            </a:extLst>
+          </p:cNvPr>
+          <p:cNvPicPr>
+            <a:picLocks noChangeAspect="1"/>
+          </p:cNvPicPr>
+          <p:nvPr/>
+        </p:nvPicPr>
+        <p:blipFill>
+          <a:blip r:embed="rId3"/>
+          <a:stretch>
+            <a:fillRect/>
+          </a:stretch>
+        </p:blipFill>
+        <p:spPr>
+          <a:xfrm>
+            <a:off x="320772" y="4096834"/>
+            <a:ext cx="6982799" cy="2162477"/>
+          </a:xfrm>
+          <a:prstGeom prst="rect">
+            <a:avLst/>
+          </a:prstGeom>
+        </p:spPr>
+      </p:pic>
+      <p:pic>
+        <p:nvPicPr>
+          <p:cNvPr id="5" name="Picture 4">
+            <a:extLst>
+              <a:ext uri="{FF2B5EF4-FFF2-40B4-BE49-F238E27FC236}">
+                <a16:creationId xmlns:a16="http://schemas.microsoft.com/office/drawing/2014/main" id="{5CAF6C10-7D5C-0BE6-FA6E-4A63348824C7}"/>
+              </a:ext>
+            </a:extLst>
+          </p:cNvPr>
+          <p:cNvPicPr>
+            <a:picLocks noChangeAspect="1"/>
+          </p:cNvPicPr>
+          <p:nvPr/>
+        </p:nvPicPr>
+        <p:blipFill>
+          <a:blip r:embed="rId4"/>
+          <a:stretch>
+            <a:fillRect/>
+          </a:stretch>
+        </p:blipFill>
+        <p:spPr>
+          <a:xfrm>
+            <a:off x="5073780" y="3523017"/>
+            <a:ext cx="6868484" cy="2210108"/>
+          </a:xfrm>
+          <a:prstGeom prst="rect">
+            <a:avLst/>
+          </a:prstGeom>
+        </p:spPr>
+      </p:pic>
+    </p:spTree>
+    <p:extLst>
+      <p:ext uri="{BB962C8B-B14F-4D97-AF65-F5344CB8AC3E}">
+        <p14:creationId xmlns:p14="http://schemas.microsoft.com/office/powerpoint/2010/main" val="451307094"/>
+      </p:ext>
+    </p:extLst>
+  </p:cSld>
+  <p:clrMapOvr>
+    <a:masterClrMapping/>
+  </p:clrMapOvr>
+</p:sld>
+</file>
+
+<file path=ppt/slides/slide16.xml><?xml version="1.0" encoding="utf-8"?>
+<p:sld xmlns:a="http://schemas.openxmlformats.org/drawingml/2006/main" xmlns:r="http://schemas.openxmlformats.org/officeDocument/2006/relationships" xmlns:p="http://schemas.openxmlformats.org/presentationml/2006/main">
+  <p:cSld>
+    <p:spTree>
+      <p:nvGrpSpPr>
+        <p:cNvPr id="1" name=""/>
+        <p:cNvGrpSpPr/>
+        <p:nvPr/>
+      </p:nvGrpSpPr>
+      <p:grpSpPr>
+        <a:xfrm>
+          <a:off x="0" y="0"/>
+          <a:ext cx="0" cy="0"/>
+          <a:chOff x="0" y="0"/>
+          <a:chExt cx="0" cy="0"/>
+        </a:xfrm>
+      </p:grpSpPr>
+      <p:sp>
+        <p:nvSpPr>
+          <p:cNvPr id="2" name="Title 1">
+            <a:extLst>
+              <a:ext uri="{FF2B5EF4-FFF2-40B4-BE49-F238E27FC236}">
+                <a16:creationId xmlns:a16="http://schemas.microsoft.com/office/drawing/2014/main" id="{EB7C2130-11ED-380B-6D51-89A7E5CD9FB4}"/>
+              </a:ext>
+            </a:extLst>
+          </p:cNvPr>
+          <p:cNvSpPr>
+            <a:spLocks noGrp="1"/>
+          </p:cNvSpPr>
+          <p:nvPr>
+            <p:ph type="title"/>
+          </p:nvPr>
+        </p:nvSpPr>
+        <p:spPr/>
+        <p:txBody>
+          <a:bodyPr/>
+          <a:lstStyle/>
+          <a:p>
+            <a:r>
+              <a:rPr lang="en-ID" dirty="0"/>
+              <a:t>models-</a:t>
+            </a:r>
+            <a:r>
+              <a:rPr lang="en-ID" dirty="0" err="1"/>
+              <a:t>stopword</a:t>
+            </a:r>
+            <a:r>
+              <a:rPr lang="en-ID" dirty="0"/>
+              <a:t>-no-</a:t>
+            </a:r>
+            <a:r>
+              <a:rPr lang="en-ID" dirty="0" err="1"/>
+              <a:t>negasi</a:t>
+            </a:r>
+            <a:endParaRPr lang="en-ID" dirty="0"/>
+          </a:p>
+        </p:txBody>
+      </p:sp>
+      <p:pic>
+        <p:nvPicPr>
+          <p:cNvPr id="3" name="Picture 2">
+            <a:extLst>
+              <a:ext uri="{FF2B5EF4-FFF2-40B4-BE49-F238E27FC236}">
+                <a16:creationId xmlns:a16="http://schemas.microsoft.com/office/drawing/2014/main" id="{9AB66BA3-0865-F349-6687-B2E37AC3C7B7}"/>
+              </a:ext>
+            </a:extLst>
+          </p:cNvPr>
+          <p:cNvPicPr>
+            <a:picLocks noChangeAspect="1"/>
+          </p:cNvPicPr>
+          <p:nvPr/>
+        </p:nvPicPr>
+        <p:blipFill>
+          <a:blip r:embed="rId2"/>
+          <a:stretch>
+            <a:fillRect/>
+          </a:stretch>
+        </p:blipFill>
+        <p:spPr>
+          <a:xfrm>
+            <a:off x="0" y="1563658"/>
+            <a:ext cx="6820852" cy="2143424"/>
+          </a:xfrm>
+          <a:prstGeom prst="rect">
+            <a:avLst/>
+          </a:prstGeom>
+        </p:spPr>
+      </p:pic>
+      <p:pic>
+        <p:nvPicPr>
+          <p:cNvPr id="5" name="Picture 4">
+            <a:extLst>
+              <a:ext uri="{FF2B5EF4-FFF2-40B4-BE49-F238E27FC236}">
+                <a16:creationId xmlns:a16="http://schemas.microsoft.com/office/drawing/2014/main" id="{5FA811DF-1DAE-FBF2-6D72-C5B174E0F60A}"/>
+              </a:ext>
+            </a:extLst>
+          </p:cNvPr>
+          <p:cNvPicPr>
+            <a:picLocks noChangeAspect="1"/>
+          </p:cNvPicPr>
+          <p:nvPr/>
+        </p:nvPicPr>
+        <p:blipFill>
+          <a:blip r:embed="rId3"/>
+          <a:stretch>
+            <a:fillRect/>
+          </a:stretch>
+        </p:blipFill>
+        <p:spPr>
+          <a:xfrm>
+            <a:off x="0" y="4359392"/>
+            <a:ext cx="6849431" cy="2172003"/>
+          </a:xfrm>
+          <a:prstGeom prst="rect">
+            <a:avLst/>
+          </a:prstGeom>
+        </p:spPr>
+      </p:pic>
+      <p:pic>
+        <p:nvPicPr>
+          <p:cNvPr id="4" name="Picture 3">
+            <a:extLst>
+              <a:ext uri="{FF2B5EF4-FFF2-40B4-BE49-F238E27FC236}">
+                <a16:creationId xmlns:a16="http://schemas.microsoft.com/office/drawing/2014/main" id="{1E9DEAC3-7A90-93FF-FE45-B5141C6EAF2D}"/>
+              </a:ext>
+            </a:extLst>
+          </p:cNvPr>
+          <p:cNvPicPr>
+            <a:picLocks noChangeAspect="1"/>
+          </p:cNvPicPr>
+          <p:nvPr/>
+        </p:nvPicPr>
+        <p:blipFill>
+          <a:blip r:embed="rId4"/>
+          <a:stretch>
+            <a:fillRect/>
+          </a:stretch>
+        </p:blipFill>
+        <p:spPr>
+          <a:xfrm>
+            <a:off x="4110997" y="3707082"/>
+            <a:ext cx="6868484" cy="2124371"/>
+          </a:xfrm>
+          <a:prstGeom prst="rect">
+            <a:avLst/>
+          </a:prstGeom>
+        </p:spPr>
+      </p:pic>
+    </p:spTree>
+    <p:extLst>
+      <p:ext uri="{BB962C8B-B14F-4D97-AF65-F5344CB8AC3E}">
+        <p14:creationId xmlns:p14="http://schemas.microsoft.com/office/powerpoint/2010/main" val="4017464534"/>
+      </p:ext>
+    </p:extLst>
+  </p:cSld>
+  <p:clrMapOvr>
+    <a:masterClrMapping/>
+  </p:clrMapOvr>
+</p:sld>
+</file>
+
+<file path=ppt/slides/slide17.xml><?xml version="1.0" encoding="utf-8"?>
+<p:sld xmlns:a="http://schemas.openxmlformats.org/drawingml/2006/main" xmlns:r="http://schemas.openxmlformats.org/officeDocument/2006/relationships" xmlns:p="http://schemas.openxmlformats.org/presentationml/2006/main">
+  <p:cSld>
+    <p:spTree>
+      <p:nvGrpSpPr>
+        <p:cNvPr id="1" name=""/>
+        <p:cNvGrpSpPr/>
+        <p:nvPr/>
+      </p:nvGrpSpPr>
+      <p:grpSpPr>
+        <a:xfrm>
+          <a:off x="0" y="0"/>
+          <a:ext cx="0" cy="0"/>
+          <a:chOff x="0" y="0"/>
+          <a:chExt cx="0" cy="0"/>
+        </a:xfrm>
+      </p:grpSpPr>
+      <p:sp>
+        <p:nvSpPr>
+          <p:cNvPr id="2" name="Title 1">
+            <a:extLst>
+              <a:ext uri="{FF2B5EF4-FFF2-40B4-BE49-F238E27FC236}">
+                <a16:creationId xmlns:a16="http://schemas.microsoft.com/office/drawing/2014/main" id="{EB7C2130-11ED-380B-6D51-89A7E5CD9FB4}"/>
+              </a:ext>
+            </a:extLst>
+          </p:cNvPr>
+          <p:cNvSpPr>
+            <a:spLocks noGrp="1"/>
+          </p:cNvSpPr>
+          <p:nvPr>
+            <p:ph type="title"/>
+          </p:nvPr>
+        </p:nvSpPr>
+        <p:spPr/>
+        <p:txBody>
+          <a:bodyPr/>
+          <a:lstStyle/>
+          <a:p>
+            <a:r>
+              <a:rPr lang="en-ID" dirty="0"/>
+              <a:t>models-</a:t>
+            </a:r>
+            <a:r>
+              <a:rPr lang="en-ID" dirty="0" err="1"/>
+              <a:t>stopword</a:t>
+            </a:r>
+            <a:r>
+              <a:rPr lang="en-ID" dirty="0"/>
+              <a:t>-</a:t>
+            </a:r>
+            <a:r>
+              <a:rPr lang="en-ID" dirty="0" err="1"/>
+              <a:t>negasi</a:t>
+            </a:r>
+            <a:endParaRPr lang="en-ID" dirty="0"/>
+          </a:p>
+        </p:txBody>
+      </p:sp>
+      <p:pic>
+        <p:nvPicPr>
+          <p:cNvPr id="6" name="Picture 5">
+            <a:extLst>
+              <a:ext uri="{FF2B5EF4-FFF2-40B4-BE49-F238E27FC236}">
+                <a16:creationId xmlns:a16="http://schemas.microsoft.com/office/drawing/2014/main" id="{B27F1996-4C09-3A01-813C-A431159D0318}"/>
+              </a:ext>
+            </a:extLst>
+          </p:cNvPr>
+          <p:cNvPicPr>
+            <a:picLocks noChangeAspect="1"/>
+          </p:cNvPicPr>
+          <p:nvPr/>
+        </p:nvPicPr>
+        <p:blipFill>
+          <a:blip r:embed="rId2"/>
+          <a:stretch>
+            <a:fillRect/>
+          </a:stretch>
+        </p:blipFill>
+        <p:spPr>
+          <a:xfrm>
+            <a:off x="0" y="1589273"/>
+            <a:ext cx="6830378" cy="2057687"/>
+          </a:xfrm>
+          <a:prstGeom prst="rect">
+            <a:avLst/>
+          </a:prstGeom>
+        </p:spPr>
+      </p:pic>
+      <p:pic>
+        <p:nvPicPr>
+          <p:cNvPr id="7" name="Picture 6">
+            <a:extLst>
+              <a:ext uri="{FF2B5EF4-FFF2-40B4-BE49-F238E27FC236}">
+                <a16:creationId xmlns:a16="http://schemas.microsoft.com/office/drawing/2014/main" id="{432C447C-E97D-CD65-754F-04D582018564}"/>
+              </a:ext>
+            </a:extLst>
+          </p:cNvPr>
+          <p:cNvPicPr>
+            <a:picLocks noChangeAspect="1"/>
+          </p:cNvPicPr>
+          <p:nvPr/>
+        </p:nvPicPr>
+        <p:blipFill>
+          <a:blip r:embed="rId3"/>
+          <a:stretch>
+            <a:fillRect/>
+          </a:stretch>
+        </p:blipFill>
+        <p:spPr>
+          <a:xfrm>
+            <a:off x="28579" y="4039702"/>
+            <a:ext cx="6801799" cy="2229161"/>
+          </a:xfrm>
+          <a:prstGeom prst="rect">
+            <a:avLst/>
+          </a:prstGeom>
+        </p:spPr>
+      </p:pic>
+      <p:pic>
+        <p:nvPicPr>
+          <p:cNvPr id="8" name="Picture 7">
+            <a:extLst>
+              <a:ext uri="{FF2B5EF4-FFF2-40B4-BE49-F238E27FC236}">
+                <a16:creationId xmlns:a16="http://schemas.microsoft.com/office/drawing/2014/main" id="{AD043606-6263-F90B-3E00-481F24EC896C}"/>
+              </a:ext>
+            </a:extLst>
+          </p:cNvPr>
+          <p:cNvPicPr>
+            <a:picLocks noChangeAspect="1"/>
+          </p:cNvPicPr>
+          <p:nvPr/>
+        </p:nvPicPr>
+        <p:blipFill>
+          <a:blip r:embed="rId4"/>
+          <a:stretch>
+            <a:fillRect/>
+          </a:stretch>
+        </p:blipFill>
+        <p:spPr>
+          <a:xfrm>
+            <a:off x="3618390" y="3429000"/>
+            <a:ext cx="6887536" cy="2105319"/>
+          </a:xfrm>
+          <a:prstGeom prst="rect">
+            <a:avLst/>
+          </a:prstGeom>
+        </p:spPr>
+      </p:pic>
+    </p:spTree>
+    <p:extLst>
+      <p:ext uri="{BB962C8B-B14F-4D97-AF65-F5344CB8AC3E}">
+        <p14:creationId xmlns:p14="http://schemas.microsoft.com/office/powerpoint/2010/main" val="3024729351"/>
+      </p:ext>
+    </p:extLst>
+  </p:cSld>
+  <p:clrMapOvr>
+    <a:masterClrMapping/>
+  </p:clrMapOvr>
+</p:sld>
+</file>
+
 <file path=ppt/slides/slide2.xml><?xml version="1.0" encoding="utf-8"?>
 <p:sld xmlns:a="http://schemas.openxmlformats.org/drawingml/2006/main" xmlns:r="http://schemas.openxmlformats.org/officeDocument/2006/relationships" xmlns:p="http://schemas.openxmlformats.org/presentationml/2006/main">
   <p:cSld>
